--- a/ppt 16-9/1472.主当我遇见你.pptx
+++ b/ppt 16-9/1472.主当我遇见你.pptx
@@ -129,7 +129,7 @@
           <p:cNvPr id="2" name="标题 1">
             <a:extLst>
               <a:ext uri="{FF2B5EF4-FFF2-40B4-BE49-F238E27FC236}">
-                <a16:creationId xmlns:a16="http://schemas.microsoft.com/office/drawing/2014/main" id="{2CE31F2F-7304-FDC3-4338-83A6B9E144D7}"/>
+                <a16:creationId xmlns:a16="http://schemas.microsoft.com/office/drawing/2014/main" id="{A3F12668-A34D-EFF0-EBCE-378F431D381B}"/>
               </a:ext>
             </a:extLst>
           </p:cNvPr>
@@ -166,7 +166,7 @@
           <p:cNvPr id="3" name="副标题 2">
             <a:extLst>
               <a:ext uri="{FF2B5EF4-FFF2-40B4-BE49-F238E27FC236}">
-                <a16:creationId xmlns:a16="http://schemas.microsoft.com/office/drawing/2014/main" id="{BF7DDEB7-050D-3C65-D06D-F0D345CB1410}"/>
+                <a16:creationId xmlns:a16="http://schemas.microsoft.com/office/drawing/2014/main" id="{E787C430-397C-2496-D264-4262A536F4FF}"/>
               </a:ext>
             </a:extLst>
           </p:cNvPr>
@@ -236,7 +236,7 @@
           <p:cNvPr id="4" name="日期占位符 3">
             <a:extLst>
               <a:ext uri="{FF2B5EF4-FFF2-40B4-BE49-F238E27FC236}">
-                <a16:creationId xmlns:a16="http://schemas.microsoft.com/office/drawing/2014/main" id="{364D5B32-8662-84CD-E3CB-98078DDA7DC7}"/>
+                <a16:creationId xmlns:a16="http://schemas.microsoft.com/office/drawing/2014/main" id="{DFD986DE-3F61-D9E5-EC91-6B58E92930EB}"/>
               </a:ext>
             </a:extLst>
           </p:cNvPr>
@@ -252,7 +252,7 @@
           <a:bodyPr/>
           <a:lstStyle/>
           <a:p>
-            <a:fld id="{D6E4336F-A4EF-4930-89C6-378CBC2079DD}" type="datetimeFigureOut">
+            <a:fld id="{9F8DE13E-3CF7-468C-B802-28DAA383D892}" type="datetimeFigureOut">
               <a:rPr lang="zh-CN" altLang="en-US" smtClean="0"/>
               <a:t>2024/3/10</a:t>
             </a:fld>
@@ -265,7 +265,7 @@
           <p:cNvPr id="5" name="页脚占位符 4">
             <a:extLst>
               <a:ext uri="{FF2B5EF4-FFF2-40B4-BE49-F238E27FC236}">
-                <a16:creationId xmlns:a16="http://schemas.microsoft.com/office/drawing/2014/main" id="{F19ACDE5-C969-3BEB-DAD3-787A74DE746A}"/>
+                <a16:creationId xmlns:a16="http://schemas.microsoft.com/office/drawing/2014/main" id="{1EE00270-639F-56EA-4254-506C409672EF}"/>
               </a:ext>
             </a:extLst>
           </p:cNvPr>
@@ -290,7 +290,7 @@
           <p:cNvPr id="6" name="灯片编号占位符 5">
             <a:extLst>
               <a:ext uri="{FF2B5EF4-FFF2-40B4-BE49-F238E27FC236}">
-                <a16:creationId xmlns:a16="http://schemas.microsoft.com/office/drawing/2014/main" id="{04E21FF7-7408-814C-81AA-2E9331B88872}"/>
+                <a16:creationId xmlns:a16="http://schemas.microsoft.com/office/drawing/2014/main" id="{24FADC25-9749-CB35-C3C3-071994DC1FA0}"/>
               </a:ext>
             </a:extLst>
           </p:cNvPr>
@@ -306,7 +306,7 @@
           <a:bodyPr/>
           <a:lstStyle/>
           <a:p>
-            <a:fld id="{7A5D5D87-BDCC-431A-ADCB-3BF224B63DA5}" type="slidenum">
+            <a:fld id="{B3AAB532-E94D-4B3C-AE1B-982141AA226C}" type="slidenum">
               <a:rPr lang="zh-CN" altLang="en-US" smtClean="0"/>
               <a:t>‹#›</a:t>
             </a:fld>
@@ -317,7 +317,7 @@
     </p:spTree>
     <p:extLst>
       <p:ext uri="{BB962C8B-B14F-4D97-AF65-F5344CB8AC3E}">
-        <p14:creationId xmlns:p14="http://schemas.microsoft.com/office/powerpoint/2010/main" val="2102615069"/>
+        <p14:creationId xmlns:p14="http://schemas.microsoft.com/office/powerpoint/2010/main" val="1486165073"/>
       </p:ext>
     </p:extLst>
   </p:cSld>
@@ -349,7 +349,7 @@
           <p:cNvPr id="2" name="标题 1">
             <a:extLst>
               <a:ext uri="{FF2B5EF4-FFF2-40B4-BE49-F238E27FC236}">
-                <a16:creationId xmlns:a16="http://schemas.microsoft.com/office/drawing/2014/main" id="{9A8108F8-5276-55F4-5659-1F6ED460E780}"/>
+                <a16:creationId xmlns:a16="http://schemas.microsoft.com/office/drawing/2014/main" id="{16A03FF4-B9D0-DAB7-BA27-18DE2B6A540F}"/>
               </a:ext>
             </a:extLst>
           </p:cNvPr>
@@ -377,7 +377,7 @@
           <p:cNvPr id="3" name="竖排文字占位符 2">
             <a:extLst>
               <a:ext uri="{FF2B5EF4-FFF2-40B4-BE49-F238E27FC236}">
-                <a16:creationId xmlns:a16="http://schemas.microsoft.com/office/drawing/2014/main" id="{4F9B89B3-637E-BDEF-144A-5030581AE113}"/>
+                <a16:creationId xmlns:a16="http://schemas.microsoft.com/office/drawing/2014/main" id="{5040305B-F660-0251-1D42-9605AE10761A}"/>
               </a:ext>
             </a:extLst>
           </p:cNvPr>
@@ -434,7 +434,7 @@
           <p:cNvPr id="4" name="日期占位符 3">
             <a:extLst>
               <a:ext uri="{FF2B5EF4-FFF2-40B4-BE49-F238E27FC236}">
-                <a16:creationId xmlns:a16="http://schemas.microsoft.com/office/drawing/2014/main" id="{9BEA1A69-B33A-D9EB-5990-F26155F3A732}"/>
+                <a16:creationId xmlns:a16="http://schemas.microsoft.com/office/drawing/2014/main" id="{E21150BD-BA6C-EFC8-8F30-9050C8667181}"/>
               </a:ext>
             </a:extLst>
           </p:cNvPr>
@@ -450,7 +450,7 @@
           <a:bodyPr/>
           <a:lstStyle/>
           <a:p>
-            <a:fld id="{D6E4336F-A4EF-4930-89C6-378CBC2079DD}" type="datetimeFigureOut">
+            <a:fld id="{9F8DE13E-3CF7-468C-B802-28DAA383D892}" type="datetimeFigureOut">
               <a:rPr lang="zh-CN" altLang="en-US" smtClean="0"/>
               <a:t>2024/3/10</a:t>
             </a:fld>
@@ -463,7 +463,7 @@
           <p:cNvPr id="5" name="页脚占位符 4">
             <a:extLst>
               <a:ext uri="{FF2B5EF4-FFF2-40B4-BE49-F238E27FC236}">
-                <a16:creationId xmlns:a16="http://schemas.microsoft.com/office/drawing/2014/main" id="{73DFDF08-DDED-E100-21F3-5869933D0533}"/>
+                <a16:creationId xmlns:a16="http://schemas.microsoft.com/office/drawing/2014/main" id="{D8968EDC-5A09-1192-970F-4AD3E2C5F71A}"/>
               </a:ext>
             </a:extLst>
           </p:cNvPr>
@@ -488,7 +488,7 @@
           <p:cNvPr id="6" name="灯片编号占位符 5">
             <a:extLst>
               <a:ext uri="{FF2B5EF4-FFF2-40B4-BE49-F238E27FC236}">
-                <a16:creationId xmlns:a16="http://schemas.microsoft.com/office/drawing/2014/main" id="{15CFC452-10D6-5237-83C8-142AA0BC0595}"/>
+                <a16:creationId xmlns:a16="http://schemas.microsoft.com/office/drawing/2014/main" id="{455F0E41-A703-22A0-F393-4503AF192591}"/>
               </a:ext>
             </a:extLst>
           </p:cNvPr>
@@ -504,7 +504,7 @@
           <a:bodyPr/>
           <a:lstStyle/>
           <a:p>
-            <a:fld id="{7A5D5D87-BDCC-431A-ADCB-3BF224B63DA5}" type="slidenum">
+            <a:fld id="{B3AAB532-E94D-4B3C-AE1B-982141AA226C}" type="slidenum">
               <a:rPr lang="zh-CN" altLang="en-US" smtClean="0"/>
               <a:t>‹#›</a:t>
             </a:fld>
@@ -515,7 +515,7 @@
     </p:spTree>
     <p:extLst>
       <p:ext uri="{BB962C8B-B14F-4D97-AF65-F5344CB8AC3E}">
-        <p14:creationId xmlns:p14="http://schemas.microsoft.com/office/powerpoint/2010/main" val="1149229801"/>
+        <p14:creationId xmlns:p14="http://schemas.microsoft.com/office/powerpoint/2010/main" val="1823816776"/>
       </p:ext>
     </p:extLst>
   </p:cSld>
@@ -547,7 +547,7 @@
           <p:cNvPr id="2" name="竖排标题 1">
             <a:extLst>
               <a:ext uri="{FF2B5EF4-FFF2-40B4-BE49-F238E27FC236}">
-                <a16:creationId xmlns:a16="http://schemas.microsoft.com/office/drawing/2014/main" id="{72ACB4F4-5F78-4D35-0C48-031EC39ED582}"/>
+                <a16:creationId xmlns:a16="http://schemas.microsoft.com/office/drawing/2014/main" id="{6D089382-3AD5-DA1E-C7FA-C90673BDC31F}"/>
               </a:ext>
             </a:extLst>
           </p:cNvPr>
@@ -580,7 +580,7 @@
           <p:cNvPr id="3" name="竖排文字占位符 2">
             <a:extLst>
               <a:ext uri="{FF2B5EF4-FFF2-40B4-BE49-F238E27FC236}">
-                <a16:creationId xmlns:a16="http://schemas.microsoft.com/office/drawing/2014/main" id="{0C1CBA4B-3278-11EF-F0EC-F6875A04DB44}"/>
+                <a16:creationId xmlns:a16="http://schemas.microsoft.com/office/drawing/2014/main" id="{F4B59B63-3A62-157F-1C1F-FEC25AA6889C}"/>
               </a:ext>
             </a:extLst>
           </p:cNvPr>
@@ -642,7 +642,7 @@
           <p:cNvPr id="4" name="日期占位符 3">
             <a:extLst>
               <a:ext uri="{FF2B5EF4-FFF2-40B4-BE49-F238E27FC236}">
-                <a16:creationId xmlns:a16="http://schemas.microsoft.com/office/drawing/2014/main" id="{B4D70123-93C7-34F2-6BB5-B48AFA6F461F}"/>
+                <a16:creationId xmlns:a16="http://schemas.microsoft.com/office/drawing/2014/main" id="{6E3828C3-21A0-EEF8-5DC4-FF0F983523F4}"/>
               </a:ext>
             </a:extLst>
           </p:cNvPr>
@@ -658,7 +658,7 @@
           <a:bodyPr/>
           <a:lstStyle/>
           <a:p>
-            <a:fld id="{D6E4336F-A4EF-4930-89C6-378CBC2079DD}" type="datetimeFigureOut">
+            <a:fld id="{9F8DE13E-3CF7-468C-B802-28DAA383D892}" type="datetimeFigureOut">
               <a:rPr lang="zh-CN" altLang="en-US" smtClean="0"/>
               <a:t>2024/3/10</a:t>
             </a:fld>
@@ -671,7 +671,7 @@
           <p:cNvPr id="5" name="页脚占位符 4">
             <a:extLst>
               <a:ext uri="{FF2B5EF4-FFF2-40B4-BE49-F238E27FC236}">
-                <a16:creationId xmlns:a16="http://schemas.microsoft.com/office/drawing/2014/main" id="{B731A6D3-B9DE-724C-1AB3-544E2F140BEC}"/>
+                <a16:creationId xmlns:a16="http://schemas.microsoft.com/office/drawing/2014/main" id="{F74A9D0C-C2E5-471A-C860-E559B466D298}"/>
               </a:ext>
             </a:extLst>
           </p:cNvPr>
@@ -696,7 +696,7 @@
           <p:cNvPr id="6" name="灯片编号占位符 5">
             <a:extLst>
               <a:ext uri="{FF2B5EF4-FFF2-40B4-BE49-F238E27FC236}">
-                <a16:creationId xmlns:a16="http://schemas.microsoft.com/office/drawing/2014/main" id="{09ECA48B-7563-2CEB-AEDE-7787A470A16A}"/>
+                <a16:creationId xmlns:a16="http://schemas.microsoft.com/office/drawing/2014/main" id="{B404C7AB-F1AF-F909-4834-D256FC855613}"/>
               </a:ext>
             </a:extLst>
           </p:cNvPr>
@@ -712,7 +712,7 @@
           <a:bodyPr/>
           <a:lstStyle/>
           <a:p>
-            <a:fld id="{7A5D5D87-BDCC-431A-ADCB-3BF224B63DA5}" type="slidenum">
+            <a:fld id="{B3AAB532-E94D-4B3C-AE1B-982141AA226C}" type="slidenum">
               <a:rPr lang="zh-CN" altLang="en-US" smtClean="0"/>
               <a:t>‹#›</a:t>
             </a:fld>
@@ -723,7 +723,7 @@
     </p:spTree>
     <p:extLst>
       <p:ext uri="{BB962C8B-B14F-4D97-AF65-F5344CB8AC3E}">
-        <p14:creationId xmlns:p14="http://schemas.microsoft.com/office/powerpoint/2010/main" val="2562872247"/>
+        <p14:creationId xmlns:p14="http://schemas.microsoft.com/office/powerpoint/2010/main" val="195400511"/>
       </p:ext>
     </p:extLst>
   </p:cSld>
@@ -755,7 +755,7 @@
           <p:cNvPr id="2" name="标题 1">
             <a:extLst>
               <a:ext uri="{FF2B5EF4-FFF2-40B4-BE49-F238E27FC236}">
-                <a16:creationId xmlns:a16="http://schemas.microsoft.com/office/drawing/2014/main" id="{62FDD114-00D8-97BD-7E09-725AE15E540D}"/>
+                <a16:creationId xmlns:a16="http://schemas.microsoft.com/office/drawing/2014/main" id="{C3399E03-BE54-23BC-8C76-1716966E4620}"/>
               </a:ext>
             </a:extLst>
           </p:cNvPr>
@@ -783,7 +783,7 @@
           <p:cNvPr id="3" name="内容占位符 2">
             <a:extLst>
               <a:ext uri="{FF2B5EF4-FFF2-40B4-BE49-F238E27FC236}">
-                <a16:creationId xmlns:a16="http://schemas.microsoft.com/office/drawing/2014/main" id="{FB40E43A-41A2-0D40-B97C-9C1D0450CBBF}"/>
+                <a16:creationId xmlns:a16="http://schemas.microsoft.com/office/drawing/2014/main" id="{6F6161DC-E9EA-0BBA-ECD7-22004B97314A}"/>
               </a:ext>
             </a:extLst>
           </p:cNvPr>
@@ -840,7 +840,7 @@
           <p:cNvPr id="4" name="日期占位符 3">
             <a:extLst>
               <a:ext uri="{FF2B5EF4-FFF2-40B4-BE49-F238E27FC236}">
-                <a16:creationId xmlns:a16="http://schemas.microsoft.com/office/drawing/2014/main" id="{CFCE76FC-DA43-9179-AFEB-474CDDB590DC}"/>
+                <a16:creationId xmlns:a16="http://schemas.microsoft.com/office/drawing/2014/main" id="{002D3DB0-25A7-8779-46E9-7DD96DEEDB1E}"/>
               </a:ext>
             </a:extLst>
           </p:cNvPr>
@@ -856,7 +856,7 @@
           <a:bodyPr/>
           <a:lstStyle/>
           <a:p>
-            <a:fld id="{D6E4336F-A4EF-4930-89C6-378CBC2079DD}" type="datetimeFigureOut">
+            <a:fld id="{9F8DE13E-3CF7-468C-B802-28DAA383D892}" type="datetimeFigureOut">
               <a:rPr lang="zh-CN" altLang="en-US" smtClean="0"/>
               <a:t>2024/3/10</a:t>
             </a:fld>
@@ -869,7 +869,7 @@
           <p:cNvPr id="5" name="页脚占位符 4">
             <a:extLst>
               <a:ext uri="{FF2B5EF4-FFF2-40B4-BE49-F238E27FC236}">
-                <a16:creationId xmlns:a16="http://schemas.microsoft.com/office/drawing/2014/main" id="{80F094AD-7203-A2EC-59AD-CEC46D56FD6C}"/>
+                <a16:creationId xmlns:a16="http://schemas.microsoft.com/office/drawing/2014/main" id="{071476DE-6E0B-84A3-7BAF-265AF2E89D24}"/>
               </a:ext>
             </a:extLst>
           </p:cNvPr>
@@ -894,7 +894,7 @@
           <p:cNvPr id="6" name="灯片编号占位符 5">
             <a:extLst>
               <a:ext uri="{FF2B5EF4-FFF2-40B4-BE49-F238E27FC236}">
-                <a16:creationId xmlns:a16="http://schemas.microsoft.com/office/drawing/2014/main" id="{B2E2A3A5-E547-B1D7-633F-E398D4D9425D}"/>
+                <a16:creationId xmlns:a16="http://schemas.microsoft.com/office/drawing/2014/main" id="{4F3DFFCD-4B20-6204-9B72-CC33B33B62D3}"/>
               </a:ext>
             </a:extLst>
           </p:cNvPr>
@@ -910,7 +910,7 @@
           <a:bodyPr/>
           <a:lstStyle/>
           <a:p>
-            <a:fld id="{7A5D5D87-BDCC-431A-ADCB-3BF224B63DA5}" type="slidenum">
+            <a:fld id="{B3AAB532-E94D-4B3C-AE1B-982141AA226C}" type="slidenum">
               <a:rPr lang="zh-CN" altLang="en-US" smtClean="0"/>
               <a:t>‹#›</a:t>
             </a:fld>
@@ -921,7 +921,7 @@
     </p:spTree>
     <p:extLst>
       <p:ext uri="{BB962C8B-B14F-4D97-AF65-F5344CB8AC3E}">
-        <p14:creationId xmlns:p14="http://schemas.microsoft.com/office/powerpoint/2010/main" val="2646805585"/>
+        <p14:creationId xmlns:p14="http://schemas.microsoft.com/office/powerpoint/2010/main" val="733337203"/>
       </p:ext>
     </p:extLst>
   </p:cSld>
@@ -953,7 +953,7 @@
           <p:cNvPr id="2" name="标题 1">
             <a:extLst>
               <a:ext uri="{FF2B5EF4-FFF2-40B4-BE49-F238E27FC236}">
-                <a16:creationId xmlns:a16="http://schemas.microsoft.com/office/drawing/2014/main" id="{81C87C33-E519-4534-AF19-27FD015A50A3}"/>
+                <a16:creationId xmlns:a16="http://schemas.microsoft.com/office/drawing/2014/main" id="{5CC736C2-E4CA-0FD1-5856-C354AC5B3E1F}"/>
               </a:ext>
             </a:extLst>
           </p:cNvPr>
@@ -990,7 +990,7 @@
           <p:cNvPr id="3" name="文本占位符 2">
             <a:extLst>
               <a:ext uri="{FF2B5EF4-FFF2-40B4-BE49-F238E27FC236}">
-                <a16:creationId xmlns:a16="http://schemas.microsoft.com/office/drawing/2014/main" id="{8ECA8A63-0E69-B360-C30E-ADEFE29A50BC}"/>
+                <a16:creationId xmlns:a16="http://schemas.microsoft.com/office/drawing/2014/main" id="{8DA40E03-7283-2E7A-96D3-41F246E1CDA7}"/>
               </a:ext>
             </a:extLst>
           </p:cNvPr>
@@ -1115,7 +1115,7 @@
           <p:cNvPr id="4" name="日期占位符 3">
             <a:extLst>
               <a:ext uri="{FF2B5EF4-FFF2-40B4-BE49-F238E27FC236}">
-                <a16:creationId xmlns:a16="http://schemas.microsoft.com/office/drawing/2014/main" id="{548FA131-289A-1338-3CA7-D21C12B11620}"/>
+                <a16:creationId xmlns:a16="http://schemas.microsoft.com/office/drawing/2014/main" id="{C40612B0-E2CC-0F17-4859-7880EB586D4D}"/>
               </a:ext>
             </a:extLst>
           </p:cNvPr>
@@ -1131,7 +1131,7 @@
           <a:bodyPr/>
           <a:lstStyle/>
           <a:p>
-            <a:fld id="{D6E4336F-A4EF-4930-89C6-378CBC2079DD}" type="datetimeFigureOut">
+            <a:fld id="{9F8DE13E-3CF7-468C-B802-28DAA383D892}" type="datetimeFigureOut">
               <a:rPr lang="zh-CN" altLang="en-US" smtClean="0"/>
               <a:t>2024/3/10</a:t>
             </a:fld>
@@ -1144,7 +1144,7 @@
           <p:cNvPr id="5" name="页脚占位符 4">
             <a:extLst>
               <a:ext uri="{FF2B5EF4-FFF2-40B4-BE49-F238E27FC236}">
-                <a16:creationId xmlns:a16="http://schemas.microsoft.com/office/drawing/2014/main" id="{B776D28E-CDF7-D1D5-0088-A098531410E6}"/>
+                <a16:creationId xmlns:a16="http://schemas.microsoft.com/office/drawing/2014/main" id="{62F7FD0C-C245-1666-B6D5-523D47DC46E0}"/>
               </a:ext>
             </a:extLst>
           </p:cNvPr>
@@ -1169,7 +1169,7 @@
           <p:cNvPr id="6" name="灯片编号占位符 5">
             <a:extLst>
               <a:ext uri="{FF2B5EF4-FFF2-40B4-BE49-F238E27FC236}">
-                <a16:creationId xmlns:a16="http://schemas.microsoft.com/office/drawing/2014/main" id="{6E2F9D99-5ABC-EE40-6E9C-AE93032CD36D}"/>
+                <a16:creationId xmlns:a16="http://schemas.microsoft.com/office/drawing/2014/main" id="{7CB9FEAB-4CCF-D7FB-8D49-990E4FFA2E86}"/>
               </a:ext>
             </a:extLst>
           </p:cNvPr>
@@ -1185,7 +1185,7 @@
           <a:bodyPr/>
           <a:lstStyle/>
           <a:p>
-            <a:fld id="{7A5D5D87-BDCC-431A-ADCB-3BF224B63DA5}" type="slidenum">
+            <a:fld id="{B3AAB532-E94D-4B3C-AE1B-982141AA226C}" type="slidenum">
               <a:rPr lang="zh-CN" altLang="en-US" smtClean="0"/>
               <a:t>‹#›</a:t>
             </a:fld>
@@ -1196,7 +1196,7 @@
     </p:spTree>
     <p:extLst>
       <p:ext uri="{BB962C8B-B14F-4D97-AF65-F5344CB8AC3E}">
-        <p14:creationId xmlns:p14="http://schemas.microsoft.com/office/powerpoint/2010/main" val="2631327755"/>
+        <p14:creationId xmlns:p14="http://schemas.microsoft.com/office/powerpoint/2010/main" val="2801764182"/>
       </p:ext>
     </p:extLst>
   </p:cSld>
@@ -1228,7 +1228,7 @@
           <p:cNvPr id="2" name="标题 1">
             <a:extLst>
               <a:ext uri="{FF2B5EF4-FFF2-40B4-BE49-F238E27FC236}">
-                <a16:creationId xmlns:a16="http://schemas.microsoft.com/office/drawing/2014/main" id="{F3143C7C-974C-236C-13CC-085D099BB943}"/>
+                <a16:creationId xmlns:a16="http://schemas.microsoft.com/office/drawing/2014/main" id="{F5882053-EA12-44F7-E8C3-64CD8D6EAD27}"/>
               </a:ext>
             </a:extLst>
           </p:cNvPr>
@@ -1256,7 +1256,7 @@
           <p:cNvPr id="3" name="内容占位符 2">
             <a:extLst>
               <a:ext uri="{FF2B5EF4-FFF2-40B4-BE49-F238E27FC236}">
-                <a16:creationId xmlns:a16="http://schemas.microsoft.com/office/drawing/2014/main" id="{D474DFA9-2B78-D662-6BE6-25AAE593EAC5}"/>
+                <a16:creationId xmlns:a16="http://schemas.microsoft.com/office/drawing/2014/main" id="{89808626-49FB-72BF-CEB1-D541A4C34413}"/>
               </a:ext>
             </a:extLst>
           </p:cNvPr>
@@ -1318,7 +1318,7 @@
           <p:cNvPr id="4" name="内容占位符 3">
             <a:extLst>
               <a:ext uri="{FF2B5EF4-FFF2-40B4-BE49-F238E27FC236}">
-                <a16:creationId xmlns:a16="http://schemas.microsoft.com/office/drawing/2014/main" id="{A85EBCB6-CE48-F668-E5FE-DBCF4B62C62D}"/>
+                <a16:creationId xmlns:a16="http://schemas.microsoft.com/office/drawing/2014/main" id="{E2B9288B-DA37-6681-EE96-EDFADD6BFC25}"/>
               </a:ext>
             </a:extLst>
           </p:cNvPr>
@@ -1380,7 +1380,7 @@
           <p:cNvPr id="5" name="日期占位符 4">
             <a:extLst>
               <a:ext uri="{FF2B5EF4-FFF2-40B4-BE49-F238E27FC236}">
-                <a16:creationId xmlns:a16="http://schemas.microsoft.com/office/drawing/2014/main" id="{17252BA7-CF44-C1D9-70D8-3A9F6D6FCE54}"/>
+                <a16:creationId xmlns:a16="http://schemas.microsoft.com/office/drawing/2014/main" id="{E8002423-3A1E-3352-F804-5FD30393FB64}"/>
               </a:ext>
             </a:extLst>
           </p:cNvPr>
@@ -1396,7 +1396,7 @@
           <a:bodyPr/>
           <a:lstStyle/>
           <a:p>
-            <a:fld id="{D6E4336F-A4EF-4930-89C6-378CBC2079DD}" type="datetimeFigureOut">
+            <a:fld id="{9F8DE13E-3CF7-468C-B802-28DAA383D892}" type="datetimeFigureOut">
               <a:rPr lang="zh-CN" altLang="en-US" smtClean="0"/>
               <a:t>2024/3/10</a:t>
             </a:fld>
@@ -1409,7 +1409,7 @@
           <p:cNvPr id="6" name="页脚占位符 5">
             <a:extLst>
               <a:ext uri="{FF2B5EF4-FFF2-40B4-BE49-F238E27FC236}">
-                <a16:creationId xmlns:a16="http://schemas.microsoft.com/office/drawing/2014/main" id="{8513345F-F7C1-0354-41FB-2DDB17723909}"/>
+                <a16:creationId xmlns:a16="http://schemas.microsoft.com/office/drawing/2014/main" id="{6171DAB4-4301-8272-FEE3-5501A4030320}"/>
               </a:ext>
             </a:extLst>
           </p:cNvPr>
@@ -1434,7 +1434,7 @@
           <p:cNvPr id="7" name="灯片编号占位符 6">
             <a:extLst>
               <a:ext uri="{FF2B5EF4-FFF2-40B4-BE49-F238E27FC236}">
-                <a16:creationId xmlns:a16="http://schemas.microsoft.com/office/drawing/2014/main" id="{810E3213-B5AF-F98E-1CB1-05884256E48A}"/>
+                <a16:creationId xmlns:a16="http://schemas.microsoft.com/office/drawing/2014/main" id="{61DC55E1-2D7B-465F-73E9-1C894E317A24}"/>
               </a:ext>
             </a:extLst>
           </p:cNvPr>
@@ -1450,7 +1450,7 @@
           <a:bodyPr/>
           <a:lstStyle/>
           <a:p>
-            <a:fld id="{7A5D5D87-BDCC-431A-ADCB-3BF224B63DA5}" type="slidenum">
+            <a:fld id="{B3AAB532-E94D-4B3C-AE1B-982141AA226C}" type="slidenum">
               <a:rPr lang="zh-CN" altLang="en-US" smtClean="0"/>
               <a:t>‹#›</a:t>
             </a:fld>
@@ -1461,7 +1461,7 @@
     </p:spTree>
     <p:extLst>
       <p:ext uri="{BB962C8B-B14F-4D97-AF65-F5344CB8AC3E}">
-        <p14:creationId xmlns:p14="http://schemas.microsoft.com/office/powerpoint/2010/main" val="2259920343"/>
+        <p14:creationId xmlns:p14="http://schemas.microsoft.com/office/powerpoint/2010/main" val="82851506"/>
       </p:ext>
     </p:extLst>
   </p:cSld>
@@ -1493,7 +1493,7 @@
           <p:cNvPr id="2" name="标题 1">
             <a:extLst>
               <a:ext uri="{FF2B5EF4-FFF2-40B4-BE49-F238E27FC236}">
-                <a16:creationId xmlns:a16="http://schemas.microsoft.com/office/drawing/2014/main" id="{CCDA9F54-3092-A7E4-EEE4-725B76F8F5A6}"/>
+                <a16:creationId xmlns:a16="http://schemas.microsoft.com/office/drawing/2014/main" id="{E9968548-FDD6-DA53-3A45-FFE77C7930CC}"/>
               </a:ext>
             </a:extLst>
           </p:cNvPr>
@@ -1526,7 +1526,7 @@
           <p:cNvPr id="3" name="文本占位符 2">
             <a:extLst>
               <a:ext uri="{FF2B5EF4-FFF2-40B4-BE49-F238E27FC236}">
-                <a16:creationId xmlns:a16="http://schemas.microsoft.com/office/drawing/2014/main" id="{8FCBE857-8CFF-F9BD-F243-844FC13DF4F0}"/>
+                <a16:creationId xmlns:a16="http://schemas.microsoft.com/office/drawing/2014/main" id="{DDB5D4DD-DCD7-9BF2-E68D-536138919384}"/>
               </a:ext>
             </a:extLst>
           </p:cNvPr>
@@ -1597,7 +1597,7 @@
           <p:cNvPr id="4" name="内容占位符 3">
             <a:extLst>
               <a:ext uri="{FF2B5EF4-FFF2-40B4-BE49-F238E27FC236}">
-                <a16:creationId xmlns:a16="http://schemas.microsoft.com/office/drawing/2014/main" id="{2D0C558E-29CA-240E-FD3B-063A478624DA}"/>
+                <a16:creationId xmlns:a16="http://schemas.microsoft.com/office/drawing/2014/main" id="{EC389700-6EDA-332B-9443-7CE7C6310BEF}"/>
               </a:ext>
             </a:extLst>
           </p:cNvPr>
@@ -1659,7 +1659,7 @@
           <p:cNvPr id="5" name="文本占位符 4">
             <a:extLst>
               <a:ext uri="{FF2B5EF4-FFF2-40B4-BE49-F238E27FC236}">
-                <a16:creationId xmlns:a16="http://schemas.microsoft.com/office/drawing/2014/main" id="{4C1C0F38-BC0C-850D-0511-F8E9CD6B17C7}"/>
+                <a16:creationId xmlns:a16="http://schemas.microsoft.com/office/drawing/2014/main" id="{3B96690A-3E9F-90B7-7E9D-1F2547BE4B04}"/>
               </a:ext>
             </a:extLst>
           </p:cNvPr>
@@ -1730,7 +1730,7 @@
           <p:cNvPr id="6" name="内容占位符 5">
             <a:extLst>
               <a:ext uri="{FF2B5EF4-FFF2-40B4-BE49-F238E27FC236}">
-                <a16:creationId xmlns:a16="http://schemas.microsoft.com/office/drawing/2014/main" id="{24CFD68A-0352-CEAE-6122-D2C9757A661E}"/>
+                <a16:creationId xmlns:a16="http://schemas.microsoft.com/office/drawing/2014/main" id="{1686E7D8-74F2-2571-53D5-5B8689E7DCD1}"/>
               </a:ext>
             </a:extLst>
           </p:cNvPr>
@@ -1792,7 +1792,7 @@
           <p:cNvPr id="7" name="日期占位符 6">
             <a:extLst>
               <a:ext uri="{FF2B5EF4-FFF2-40B4-BE49-F238E27FC236}">
-                <a16:creationId xmlns:a16="http://schemas.microsoft.com/office/drawing/2014/main" id="{C7319BE5-5B46-11FE-A45A-ACD7D147BFA2}"/>
+                <a16:creationId xmlns:a16="http://schemas.microsoft.com/office/drawing/2014/main" id="{A6CE37C8-9CFC-B0BB-FFC7-6B2F0095873F}"/>
               </a:ext>
             </a:extLst>
           </p:cNvPr>
@@ -1808,7 +1808,7 @@
           <a:bodyPr/>
           <a:lstStyle/>
           <a:p>
-            <a:fld id="{D6E4336F-A4EF-4930-89C6-378CBC2079DD}" type="datetimeFigureOut">
+            <a:fld id="{9F8DE13E-3CF7-468C-B802-28DAA383D892}" type="datetimeFigureOut">
               <a:rPr lang="zh-CN" altLang="en-US" smtClean="0"/>
               <a:t>2024/3/10</a:t>
             </a:fld>
@@ -1821,7 +1821,7 @@
           <p:cNvPr id="8" name="页脚占位符 7">
             <a:extLst>
               <a:ext uri="{FF2B5EF4-FFF2-40B4-BE49-F238E27FC236}">
-                <a16:creationId xmlns:a16="http://schemas.microsoft.com/office/drawing/2014/main" id="{32D58340-EEEB-7E19-C1DE-1C7CC0C32185}"/>
+                <a16:creationId xmlns:a16="http://schemas.microsoft.com/office/drawing/2014/main" id="{6EABBB31-D648-D1DB-1E2D-E8BD36DA1202}"/>
               </a:ext>
             </a:extLst>
           </p:cNvPr>
@@ -1846,7 +1846,7 @@
           <p:cNvPr id="9" name="灯片编号占位符 8">
             <a:extLst>
               <a:ext uri="{FF2B5EF4-FFF2-40B4-BE49-F238E27FC236}">
-                <a16:creationId xmlns:a16="http://schemas.microsoft.com/office/drawing/2014/main" id="{011648C3-5976-C6F1-FFF5-9D39DC6CDCAD}"/>
+                <a16:creationId xmlns:a16="http://schemas.microsoft.com/office/drawing/2014/main" id="{BA10D178-B697-845F-90EA-696A1E829466}"/>
               </a:ext>
             </a:extLst>
           </p:cNvPr>
@@ -1862,7 +1862,7 @@
           <a:bodyPr/>
           <a:lstStyle/>
           <a:p>
-            <a:fld id="{7A5D5D87-BDCC-431A-ADCB-3BF224B63DA5}" type="slidenum">
+            <a:fld id="{B3AAB532-E94D-4B3C-AE1B-982141AA226C}" type="slidenum">
               <a:rPr lang="zh-CN" altLang="en-US" smtClean="0"/>
               <a:t>‹#›</a:t>
             </a:fld>
@@ -1873,7 +1873,7 @@
     </p:spTree>
     <p:extLst>
       <p:ext uri="{BB962C8B-B14F-4D97-AF65-F5344CB8AC3E}">
-        <p14:creationId xmlns:p14="http://schemas.microsoft.com/office/powerpoint/2010/main" val="3501613643"/>
+        <p14:creationId xmlns:p14="http://schemas.microsoft.com/office/powerpoint/2010/main" val="3409432214"/>
       </p:ext>
     </p:extLst>
   </p:cSld>
@@ -1905,7 +1905,7 @@
           <p:cNvPr id="2" name="标题 1">
             <a:extLst>
               <a:ext uri="{FF2B5EF4-FFF2-40B4-BE49-F238E27FC236}">
-                <a16:creationId xmlns:a16="http://schemas.microsoft.com/office/drawing/2014/main" id="{ED37C2CF-E0F0-E480-4805-FF10C3986226}"/>
+                <a16:creationId xmlns:a16="http://schemas.microsoft.com/office/drawing/2014/main" id="{BDF6BC75-E08C-E9C7-28B9-1AA87056E314}"/>
               </a:ext>
             </a:extLst>
           </p:cNvPr>
@@ -1933,7 +1933,7 @@
           <p:cNvPr id="3" name="日期占位符 2">
             <a:extLst>
               <a:ext uri="{FF2B5EF4-FFF2-40B4-BE49-F238E27FC236}">
-                <a16:creationId xmlns:a16="http://schemas.microsoft.com/office/drawing/2014/main" id="{AACF8F10-075C-81D4-A6EB-CFD1DEB9A301}"/>
+                <a16:creationId xmlns:a16="http://schemas.microsoft.com/office/drawing/2014/main" id="{6FF2E433-D7A3-83C5-8928-29E471B20DA3}"/>
               </a:ext>
             </a:extLst>
           </p:cNvPr>
@@ -1949,7 +1949,7 @@
           <a:bodyPr/>
           <a:lstStyle/>
           <a:p>
-            <a:fld id="{D6E4336F-A4EF-4930-89C6-378CBC2079DD}" type="datetimeFigureOut">
+            <a:fld id="{9F8DE13E-3CF7-468C-B802-28DAA383D892}" type="datetimeFigureOut">
               <a:rPr lang="zh-CN" altLang="en-US" smtClean="0"/>
               <a:t>2024/3/10</a:t>
             </a:fld>
@@ -1962,7 +1962,7 @@
           <p:cNvPr id="4" name="页脚占位符 3">
             <a:extLst>
               <a:ext uri="{FF2B5EF4-FFF2-40B4-BE49-F238E27FC236}">
-                <a16:creationId xmlns:a16="http://schemas.microsoft.com/office/drawing/2014/main" id="{2B492938-33E7-701D-D7DD-5828780572D0}"/>
+                <a16:creationId xmlns:a16="http://schemas.microsoft.com/office/drawing/2014/main" id="{5C930510-8BAD-02AC-9BDE-047EAAB84BEA}"/>
               </a:ext>
             </a:extLst>
           </p:cNvPr>
@@ -1987,7 +1987,7 @@
           <p:cNvPr id="5" name="灯片编号占位符 4">
             <a:extLst>
               <a:ext uri="{FF2B5EF4-FFF2-40B4-BE49-F238E27FC236}">
-                <a16:creationId xmlns:a16="http://schemas.microsoft.com/office/drawing/2014/main" id="{75E04DA0-6C45-8DB3-10C4-939619F5A9B8}"/>
+                <a16:creationId xmlns:a16="http://schemas.microsoft.com/office/drawing/2014/main" id="{211F3FE5-A74E-9260-AF65-9D80A6B2E63D}"/>
               </a:ext>
             </a:extLst>
           </p:cNvPr>
@@ -2003,7 +2003,7 @@
           <a:bodyPr/>
           <a:lstStyle/>
           <a:p>
-            <a:fld id="{7A5D5D87-BDCC-431A-ADCB-3BF224B63DA5}" type="slidenum">
+            <a:fld id="{B3AAB532-E94D-4B3C-AE1B-982141AA226C}" type="slidenum">
               <a:rPr lang="zh-CN" altLang="en-US" smtClean="0"/>
               <a:t>‹#›</a:t>
             </a:fld>
@@ -2014,7 +2014,7 @@
     </p:spTree>
     <p:extLst>
       <p:ext uri="{BB962C8B-B14F-4D97-AF65-F5344CB8AC3E}">
-        <p14:creationId xmlns:p14="http://schemas.microsoft.com/office/powerpoint/2010/main" val="2746215863"/>
+        <p14:creationId xmlns:p14="http://schemas.microsoft.com/office/powerpoint/2010/main" val="1739720240"/>
       </p:ext>
     </p:extLst>
   </p:cSld>
@@ -2046,7 +2046,7 @@
           <p:cNvPr id="2" name="日期占位符 1">
             <a:extLst>
               <a:ext uri="{FF2B5EF4-FFF2-40B4-BE49-F238E27FC236}">
-                <a16:creationId xmlns:a16="http://schemas.microsoft.com/office/drawing/2014/main" id="{800FAB9A-9C11-9F0C-55E2-E8A6E98C3A5C}"/>
+                <a16:creationId xmlns:a16="http://schemas.microsoft.com/office/drawing/2014/main" id="{16137E9D-024F-DA5A-727E-445EAFCDEE0C}"/>
               </a:ext>
             </a:extLst>
           </p:cNvPr>
@@ -2062,7 +2062,7 @@
           <a:bodyPr/>
           <a:lstStyle/>
           <a:p>
-            <a:fld id="{D6E4336F-A4EF-4930-89C6-378CBC2079DD}" type="datetimeFigureOut">
+            <a:fld id="{9F8DE13E-3CF7-468C-B802-28DAA383D892}" type="datetimeFigureOut">
               <a:rPr lang="zh-CN" altLang="en-US" smtClean="0"/>
               <a:t>2024/3/10</a:t>
             </a:fld>
@@ -2075,7 +2075,7 @@
           <p:cNvPr id="3" name="页脚占位符 2">
             <a:extLst>
               <a:ext uri="{FF2B5EF4-FFF2-40B4-BE49-F238E27FC236}">
-                <a16:creationId xmlns:a16="http://schemas.microsoft.com/office/drawing/2014/main" id="{93C24BC8-751A-D717-1B9B-4422CFB7B2A1}"/>
+                <a16:creationId xmlns:a16="http://schemas.microsoft.com/office/drawing/2014/main" id="{0B331DAC-D0E2-2447-979D-15C970A463EB}"/>
               </a:ext>
             </a:extLst>
           </p:cNvPr>
@@ -2100,7 +2100,7 @@
           <p:cNvPr id="4" name="灯片编号占位符 3">
             <a:extLst>
               <a:ext uri="{FF2B5EF4-FFF2-40B4-BE49-F238E27FC236}">
-                <a16:creationId xmlns:a16="http://schemas.microsoft.com/office/drawing/2014/main" id="{DB63EC31-12C2-BA20-0217-7720F8B39DD7}"/>
+                <a16:creationId xmlns:a16="http://schemas.microsoft.com/office/drawing/2014/main" id="{58630F23-E4E4-4E6D-9FC1-20F90F8C993C}"/>
               </a:ext>
             </a:extLst>
           </p:cNvPr>
@@ -2116,7 +2116,7 @@
           <a:bodyPr/>
           <a:lstStyle/>
           <a:p>
-            <a:fld id="{7A5D5D87-BDCC-431A-ADCB-3BF224B63DA5}" type="slidenum">
+            <a:fld id="{B3AAB532-E94D-4B3C-AE1B-982141AA226C}" type="slidenum">
               <a:rPr lang="zh-CN" altLang="en-US" smtClean="0"/>
               <a:t>‹#›</a:t>
             </a:fld>
@@ -2127,7 +2127,7 @@
     </p:spTree>
     <p:extLst>
       <p:ext uri="{BB962C8B-B14F-4D97-AF65-F5344CB8AC3E}">
-        <p14:creationId xmlns:p14="http://schemas.microsoft.com/office/powerpoint/2010/main" val="3704626815"/>
+        <p14:creationId xmlns:p14="http://schemas.microsoft.com/office/powerpoint/2010/main" val="1794316508"/>
       </p:ext>
     </p:extLst>
   </p:cSld>
@@ -2159,7 +2159,7 @@
           <p:cNvPr id="2" name="标题 1">
             <a:extLst>
               <a:ext uri="{FF2B5EF4-FFF2-40B4-BE49-F238E27FC236}">
-                <a16:creationId xmlns:a16="http://schemas.microsoft.com/office/drawing/2014/main" id="{F68B364C-BDB1-71CE-A894-4D6FEF62C138}"/>
+                <a16:creationId xmlns:a16="http://schemas.microsoft.com/office/drawing/2014/main" id="{8B74AF5D-0312-6F44-B271-C7366E25AE7F}"/>
               </a:ext>
             </a:extLst>
           </p:cNvPr>
@@ -2196,7 +2196,7 @@
           <p:cNvPr id="3" name="内容占位符 2">
             <a:extLst>
               <a:ext uri="{FF2B5EF4-FFF2-40B4-BE49-F238E27FC236}">
-                <a16:creationId xmlns:a16="http://schemas.microsoft.com/office/drawing/2014/main" id="{11C63619-F708-1EAC-E97B-DD6F01E2DAB0}"/>
+                <a16:creationId xmlns:a16="http://schemas.microsoft.com/office/drawing/2014/main" id="{295A7E84-BCB1-98CC-4F55-5C62D9158722}"/>
               </a:ext>
             </a:extLst>
           </p:cNvPr>
@@ -2286,7 +2286,7 @@
           <p:cNvPr id="4" name="文本占位符 3">
             <a:extLst>
               <a:ext uri="{FF2B5EF4-FFF2-40B4-BE49-F238E27FC236}">
-                <a16:creationId xmlns:a16="http://schemas.microsoft.com/office/drawing/2014/main" id="{BD8B5765-291C-D189-E255-91A15E801252}"/>
+                <a16:creationId xmlns:a16="http://schemas.microsoft.com/office/drawing/2014/main" id="{4168E833-AF74-4EC7-9D2E-CBFEBF3974B4}"/>
               </a:ext>
             </a:extLst>
           </p:cNvPr>
@@ -2357,7 +2357,7 @@
           <p:cNvPr id="5" name="日期占位符 4">
             <a:extLst>
               <a:ext uri="{FF2B5EF4-FFF2-40B4-BE49-F238E27FC236}">
-                <a16:creationId xmlns:a16="http://schemas.microsoft.com/office/drawing/2014/main" id="{3D9EE093-3808-D627-5868-8CD1E43B6DA2}"/>
+                <a16:creationId xmlns:a16="http://schemas.microsoft.com/office/drawing/2014/main" id="{F1EB450A-A07F-E091-EDD1-B0961240B67D}"/>
               </a:ext>
             </a:extLst>
           </p:cNvPr>
@@ -2373,7 +2373,7 @@
           <a:bodyPr/>
           <a:lstStyle/>
           <a:p>
-            <a:fld id="{D6E4336F-A4EF-4930-89C6-378CBC2079DD}" type="datetimeFigureOut">
+            <a:fld id="{9F8DE13E-3CF7-468C-B802-28DAA383D892}" type="datetimeFigureOut">
               <a:rPr lang="zh-CN" altLang="en-US" smtClean="0"/>
               <a:t>2024/3/10</a:t>
             </a:fld>
@@ -2386,7 +2386,7 @@
           <p:cNvPr id="6" name="页脚占位符 5">
             <a:extLst>
               <a:ext uri="{FF2B5EF4-FFF2-40B4-BE49-F238E27FC236}">
-                <a16:creationId xmlns:a16="http://schemas.microsoft.com/office/drawing/2014/main" id="{EEDBF45D-9166-8611-E08F-C0D2A1B449B5}"/>
+                <a16:creationId xmlns:a16="http://schemas.microsoft.com/office/drawing/2014/main" id="{B4446516-29DA-AF1E-5DE1-5BCA96C709E0}"/>
               </a:ext>
             </a:extLst>
           </p:cNvPr>
@@ -2411,7 +2411,7 @@
           <p:cNvPr id="7" name="灯片编号占位符 6">
             <a:extLst>
               <a:ext uri="{FF2B5EF4-FFF2-40B4-BE49-F238E27FC236}">
-                <a16:creationId xmlns:a16="http://schemas.microsoft.com/office/drawing/2014/main" id="{CAAFDCED-832A-196F-FA57-5C140CA629F5}"/>
+                <a16:creationId xmlns:a16="http://schemas.microsoft.com/office/drawing/2014/main" id="{C926D1E5-652E-9EB8-F6DA-5CF02299B42E}"/>
               </a:ext>
             </a:extLst>
           </p:cNvPr>
@@ -2427,7 +2427,7 @@
           <a:bodyPr/>
           <a:lstStyle/>
           <a:p>
-            <a:fld id="{7A5D5D87-BDCC-431A-ADCB-3BF224B63DA5}" type="slidenum">
+            <a:fld id="{B3AAB532-E94D-4B3C-AE1B-982141AA226C}" type="slidenum">
               <a:rPr lang="zh-CN" altLang="en-US" smtClean="0"/>
               <a:t>‹#›</a:t>
             </a:fld>
@@ -2438,7 +2438,7 @@
     </p:spTree>
     <p:extLst>
       <p:ext uri="{BB962C8B-B14F-4D97-AF65-F5344CB8AC3E}">
-        <p14:creationId xmlns:p14="http://schemas.microsoft.com/office/powerpoint/2010/main" val="406328323"/>
+        <p14:creationId xmlns:p14="http://schemas.microsoft.com/office/powerpoint/2010/main" val="3341186351"/>
       </p:ext>
     </p:extLst>
   </p:cSld>
@@ -2470,7 +2470,7 @@
           <p:cNvPr id="2" name="标题 1">
             <a:extLst>
               <a:ext uri="{FF2B5EF4-FFF2-40B4-BE49-F238E27FC236}">
-                <a16:creationId xmlns:a16="http://schemas.microsoft.com/office/drawing/2014/main" id="{FC7166A1-65F0-B7B3-3A0E-C3AA2FEF7D44}"/>
+                <a16:creationId xmlns:a16="http://schemas.microsoft.com/office/drawing/2014/main" id="{D3A1108E-5624-00DD-13E2-233585463FD1}"/>
               </a:ext>
             </a:extLst>
           </p:cNvPr>
@@ -2507,7 +2507,7 @@
           <p:cNvPr id="3" name="图片占位符 2">
             <a:extLst>
               <a:ext uri="{FF2B5EF4-FFF2-40B4-BE49-F238E27FC236}">
-                <a16:creationId xmlns:a16="http://schemas.microsoft.com/office/drawing/2014/main" id="{F6767E0E-51AB-40B2-14EB-896126EC02EF}"/>
+                <a16:creationId xmlns:a16="http://schemas.microsoft.com/office/drawing/2014/main" id="{BBB1655F-096A-1B4E-D4B5-50FD16E3C134}"/>
               </a:ext>
             </a:extLst>
           </p:cNvPr>
@@ -2574,7 +2574,7 @@
           <p:cNvPr id="4" name="文本占位符 3">
             <a:extLst>
               <a:ext uri="{FF2B5EF4-FFF2-40B4-BE49-F238E27FC236}">
-                <a16:creationId xmlns:a16="http://schemas.microsoft.com/office/drawing/2014/main" id="{D718D1AB-F915-B669-835B-8B04F38950B8}"/>
+                <a16:creationId xmlns:a16="http://schemas.microsoft.com/office/drawing/2014/main" id="{014EEA83-D2EB-B38B-8BC5-537A7B8761DA}"/>
               </a:ext>
             </a:extLst>
           </p:cNvPr>
@@ -2645,7 +2645,7 @@
           <p:cNvPr id="5" name="日期占位符 4">
             <a:extLst>
               <a:ext uri="{FF2B5EF4-FFF2-40B4-BE49-F238E27FC236}">
-                <a16:creationId xmlns:a16="http://schemas.microsoft.com/office/drawing/2014/main" id="{133730BC-94D4-D558-C347-55D5C4DAF601}"/>
+                <a16:creationId xmlns:a16="http://schemas.microsoft.com/office/drawing/2014/main" id="{429B4FDE-2334-F0DC-C920-68BF089D2FB5}"/>
               </a:ext>
             </a:extLst>
           </p:cNvPr>
@@ -2661,7 +2661,7 @@
           <a:bodyPr/>
           <a:lstStyle/>
           <a:p>
-            <a:fld id="{D6E4336F-A4EF-4930-89C6-378CBC2079DD}" type="datetimeFigureOut">
+            <a:fld id="{9F8DE13E-3CF7-468C-B802-28DAA383D892}" type="datetimeFigureOut">
               <a:rPr lang="zh-CN" altLang="en-US" smtClean="0"/>
               <a:t>2024/3/10</a:t>
             </a:fld>
@@ -2674,7 +2674,7 @@
           <p:cNvPr id="6" name="页脚占位符 5">
             <a:extLst>
               <a:ext uri="{FF2B5EF4-FFF2-40B4-BE49-F238E27FC236}">
-                <a16:creationId xmlns:a16="http://schemas.microsoft.com/office/drawing/2014/main" id="{71A4ADBB-0503-E4FC-6C45-08487872F461}"/>
+                <a16:creationId xmlns:a16="http://schemas.microsoft.com/office/drawing/2014/main" id="{60020BC0-3324-DDB0-4C95-4D81E1178386}"/>
               </a:ext>
             </a:extLst>
           </p:cNvPr>
@@ -2699,7 +2699,7 @@
           <p:cNvPr id="7" name="灯片编号占位符 6">
             <a:extLst>
               <a:ext uri="{FF2B5EF4-FFF2-40B4-BE49-F238E27FC236}">
-                <a16:creationId xmlns:a16="http://schemas.microsoft.com/office/drawing/2014/main" id="{F68D56AE-EB4A-4453-F9C9-7BEBC1ABDA9D}"/>
+                <a16:creationId xmlns:a16="http://schemas.microsoft.com/office/drawing/2014/main" id="{39256ED4-8B7C-0A6D-3126-AC7466B1AA5C}"/>
               </a:ext>
             </a:extLst>
           </p:cNvPr>
@@ -2715,7 +2715,7 @@
           <a:bodyPr/>
           <a:lstStyle/>
           <a:p>
-            <a:fld id="{7A5D5D87-BDCC-431A-ADCB-3BF224B63DA5}" type="slidenum">
+            <a:fld id="{B3AAB532-E94D-4B3C-AE1B-982141AA226C}" type="slidenum">
               <a:rPr lang="zh-CN" altLang="en-US" smtClean="0"/>
               <a:t>‹#›</a:t>
             </a:fld>
@@ -2726,7 +2726,7 @@
     </p:spTree>
     <p:extLst>
       <p:ext uri="{BB962C8B-B14F-4D97-AF65-F5344CB8AC3E}">
-        <p14:creationId xmlns:p14="http://schemas.microsoft.com/office/powerpoint/2010/main" val="3997810682"/>
+        <p14:creationId xmlns:p14="http://schemas.microsoft.com/office/powerpoint/2010/main" val="2764031522"/>
       </p:ext>
     </p:extLst>
   </p:cSld>
@@ -2763,7 +2763,7 @@
           <p:cNvPr id="2" name="标题占位符 1">
             <a:extLst>
               <a:ext uri="{FF2B5EF4-FFF2-40B4-BE49-F238E27FC236}">
-                <a16:creationId xmlns:a16="http://schemas.microsoft.com/office/drawing/2014/main" id="{74FA6E2C-9114-6D23-31F8-90743F0339A5}"/>
+                <a16:creationId xmlns:a16="http://schemas.microsoft.com/office/drawing/2014/main" id="{802E03AA-40CA-2885-7058-451FC04AFBFD}"/>
               </a:ext>
             </a:extLst>
           </p:cNvPr>
@@ -2801,7 +2801,7 @@
           <p:cNvPr id="3" name="文本占位符 2">
             <a:extLst>
               <a:ext uri="{FF2B5EF4-FFF2-40B4-BE49-F238E27FC236}">
-                <a16:creationId xmlns:a16="http://schemas.microsoft.com/office/drawing/2014/main" id="{CA81A7AB-788C-00F1-9EFB-714A82DD453A}"/>
+                <a16:creationId xmlns:a16="http://schemas.microsoft.com/office/drawing/2014/main" id="{4CF7C373-70F3-CDC3-49BD-254C06D1E219}"/>
               </a:ext>
             </a:extLst>
           </p:cNvPr>
@@ -2868,7 +2868,7 @@
           <p:cNvPr id="4" name="日期占位符 3">
             <a:extLst>
               <a:ext uri="{FF2B5EF4-FFF2-40B4-BE49-F238E27FC236}">
-                <a16:creationId xmlns:a16="http://schemas.microsoft.com/office/drawing/2014/main" id="{AD896BE6-AC44-E499-0B6B-674BF3D385C4}"/>
+                <a16:creationId xmlns:a16="http://schemas.microsoft.com/office/drawing/2014/main" id="{8B9B9D30-FC0F-FFBD-06C0-CDBAEAE83E91}"/>
               </a:ext>
             </a:extLst>
           </p:cNvPr>
@@ -2902,7 +2902,7 @@
             </a:lvl1pPr>
           </a:lstStyle>
           <a:p>
-            <a:fld id="{D6E4336F-A4EF-4930-89C6-378CBC2079DD}" type="datetimeFigureOut">
+            <a:fld id="{9F8DE13E-3CF7-468C-B802-28DAA383D892}" type="datetimeFigureOut">
               <a:rPr lang="zh-CN" altLang="en-US" smtClean="0"/>
               <a:t>2024/3/10</a:t>
             </a:fld>
@@ -2915,7 +2915,7 @@
           <p:cNvPr id="5" name="页脚占位符 4">
             <a:extLst>
               <a:ext uri="{FF2B5EF4-FFF2-40B4-BE49-F238E27FC236}">
-                <a16:creationId xmlns:a16="http://schemas.microsoft.com/office/drawing/2014/main" id="{BE43704D-5EA2-7B02-8168-DEC8075D38F1}"/>
+                <a16:creationId xmlns:a16="http://schemas.microsoft.com/office/drawing/2014/main" id="{837C7DE5-811F-83C5-FD09-554B2EA13300}"/>
               </a:ext>
             </a:extLst>
           </p:cNvPr>
@@ -2958,7 +2958,7 @@
           <p:cNvPr id="6" name="灯片编号占位符 5">
             <a:extLst>
               <a:ext uri="{FF2B5EF4-FFF2-40B4-BE49-F238E27FC236}">
-                <a16:creationId xmlns:a16="http://schemas.microsoft.com/office/drawing/2014/main" id="{1E7B2D17-58F9-86EF-D3DA-3A4DA3EE443F}"/>
+                <a16:creationId xmlns:a16="http://schemas.microsoft.com/office/drawing/2014/main" id="{4A31AE08-DFEB-DC6A-4DE1-6C5C0F3663BC}"/>
               </a:ext>
             </a:extLst>
           </p:cNvPr>
@@ -2992,7 +2992,7 @@
             </a:lvl1pPr>
           </a:lstStyle>
           <a:p>
-            <a:fld id="{7A5D5D87-BDCC-431A-ADCB-3BF224B63DA5}" type="slidenum">
+            <a:fld id="{B3AAB532-E94D-4B3C-AE1B-982141AA226C}" type="slidenum">
               <a:rPr lang="zh-CN" altLang="en-US" smtClean="0"/>
               <a:t>‹#›</a:t>
             </a:fld>
@@ -3003,7 +3003,7 @@
     </p:spTree>
     <p:extLst>
       <p:ext uri="{BB962C8B-B14F-4D97-AF65-F5344CB8AC3E}">
-        <p14:creationId xmlns:p14="http://schemas.microsoft.com/office/powerpoint/2010/main" val="196416669"/>
+        <p14:creationId xmlns:p14="http://schemas.microsoft.com/office/powerpoint/2010/main" val="2596563048"/>
       </p:ext>
     </p:extLst>
   </p:cSld>
